--- a/Sprint 3/PPT 3.1.pptx
+++ b/Sprint 3/PPT 3.1.pptx
@@ -272,7 +272,7 @@
               <a:pPr>
                 <a:defRPr/>
               </a:pPr>
-              <a:t>10/11/2016</a:t>
+              <a:t>11/11/2016</a:t>
             </a:fld>
             <a:endParaRPr lang="es-ES"/>
           </a:p>
@@ -4393,7 +4393,7 @@
               <a:pPr>
                 <a:defRPr/>
               </a:pPr>
-              <a:t>10/11/2016</a:t>
+              <a:t>11/11/2016</a:t>
             </a:fld>
             <a:endParaRPr lang="es-ES"/>
           </a:p>
@@ -4686,7 +4686,7 @@
               <a:pPr>
                 <a:defRPr/>
               </a:pPr>
-              <a:t>10/11/2016</a:t>
+              <a:t>11/11/2016</a:t>
             </a:fld>
             <a:endParaRPr lang="es-ES"/>
           </a:p>
@@ -4910,7 +4910,7 @@
               <a:pPr>
                 <a:defRPr/>
               </a:pPr>
-              <a:t>10/11/2016</a:t>
+              <a:t>11/11/2016</a:t>
             </a:fld>
             <a:endParaRPr lang="es-ES"/>
           </a:p>
@@ -5439,7 +5439,7 @@
               <a:pPr>
                 <a:defRPr/>
               </a:pPr>
-              <a:t>10/11/2016</a:t>
+              <a:t>11/11/2016</a:t>
             </a:fld>
             <a:endParaRPr lang="es-ES"/>
           </a:p>
@@ -5663,7 +5663,7 @@
               <a:pPr>
                 <a:defRPr/>
               </a:pPr>
-              <a:t>10/11/2016</a:t>
+              <a:t>11/11/2016</a:t>
             </a:fld>
             <a:endParaRPr lang="es-ES"/>
           </a:p>
@@ -6239,7 +6239,7 @@
               <a:pPr>
                 <a:defRPr/>
               </a:pPr>
-              <a:t>10/11/2016</a:t>
+              <a:t>11/11/2016</a:t>
             </a:fld>
             <a:endParaRPr lang="es-ES"/>
           </a:p>
@@ -6983,7 +6983,7 @@
               <a:pPr>
                 <a:defRPr/>
               </a:pPr>
-              <a:t>10/11/2016</a:t>
+              <a:t>11/11/2016</a:t>
             </a:fld>
             <a:endParaRPr lang="es-ES"/>
           </a:p>
@@ -7183,7 +7183,7 @@
               <a:pPr>
                 <a:defRPr/>
               </a:pPr>
-              <a:t>10/11/2016</a:t>
+              <a:t>11/11/2016</a:t>
             </a:fld>
             <a:endParaRPr lang="es-ES"/>
           </a:p>
@@ -7393,7 +7393,7 @@
               <a:pPr>
                 <a:defRPr/>
               </a:pPr>
-              <a:t>10/11/2016</a:t>
+              <a:t>11/11/2016</a:t>
             </a:fld>
             <a:endParaRPr lang="es-ES"/>
           </a:p>
@@ -7593,7 +7593,7 @@
               <a:pPr>
                 <a:defRPr/>
               </a:pPr>
-              <a:t>10/11/2016</a:t>
+              <a:t>11/11/2016</a:t>
             </a:fld>
             <a:endParaRPr lang="es-ES"/>
           </a:p>
@@ -7871,7 +7871,7 @@
               <a:pPr>
                 <a:defRPr/>
               </a:pPr>
-              <a:t>10/11/2016</a:t>
+              <a:t>11/11/2016</a:t>
             </a:fld>
             <a:endParaRPr lang="es-ES"/>
           </a:p>
@@ -8133,7 +8133,7 @@
               <a:pPr>
                 <a:defRPr/>
               </a:pPr>
-              <a:t>10/11/2016</a:t>
+              <a:t>11/11/2016</a:t>
             </a:fld>
             <a:endParaRPr lang="es-ES"/>
           </a:p>
@@ -8544,7 +8544,7 @@
               <a:pPr>
                 <a:defRPr/>
               </a:pPr>
-              <a:t>10/11/2016</a:t>
+              <a:t>11/11/2016</a:t>
             </a:fld>
             <a:endParaRPr lang="es-ES"/>
           </a:p>
@@ -8692,7 +8692,7 @@
               <a:pPr>
                 <a:defRPr/>
               </a:pPr>
-              <a:t>10/11/2016</a:t>
+              <a:t>11/11/2016</a:t>
             </a:fld>
             <a:endParaRPr lang="es-ES"/>
           </a:p>
@@ -8817,7 +8817,7 @@
               <a:pPr>
                 <a:defRPr/>
               </a:pPr>
-              <a:t>10/11/2016</a:t>
+              <a:t>11/11/2016</a:t>
             </a:fld>
             <a:endParaRPr lang="es-ES"/>
           </a:p>
@@ -9096,7 +9096,7 @@
               <a:pPr>
                 <a:defRPr/>
               </a:pPr>
-              <a:t>10/11/2016</a:t>
+              <a:t>11/11/2016</a:t>
             </a:fld>
             <a:endParaRPr lang="es-ES"/>
           </a:p>
@@ -9409,7 +9409,7 @@
               <a:pPr>
                 <a:defRPr/>
               </a:pPr>
-              <a:t>10/11/2016</a:t>
+              <a:t>11/11/2016</a:t>
             </a:fld>
             <a:endParaRPr lang="es-ES"/>
           </a:p>
@@ -12207,7 +12207,7 @@
               <a:pPr>
                 <a:defRPr/>
               </a:pPr>
-              <a:t>10/11/2016</a:t>
+              <a:t>11/11/2016</a:t>
             </a:fld>
             <a:endParaRPr lang="es-ES"/>
           </a:p>
@@ -14945,13 +14945,6 @@
               </a:rPr>
               <a:t>	</a:t>
             </a:r>
-            <a:endParaRPr lang="es-ES" sz="2000" dirty="0">
-              <a:solidFill>
-                <a:schemeClr val="bg1">
-                  <a:lumMod val="10000"/>
-                </a:schemeClr>
-              </a:solidFill>
-            </a:endParaRPr>
           </a:p>
         </p:txBody>
       </p:sp>
@@ -31568,7 +31561,7 @@
       </p:pic>
       <p:pic>
         <p:nvPicPr>
-          <p:cNvPr id="25" name="Imagen 24"/>
+          <p:cNvPr id="2" name="Imagen 1"/>
           <p:cNvPicPr>
             <a:picLocks noChangeAspect="1"/>
           </p:cNvPicPr>
@@ -31588,8 +31581,8 @@
         </p:blipFill>
         <p:spPr>
           <a:xfrm>
-            <a:off x="972090" y="1189874"/>
-            <a:ext cx="4675769" cy="2739443"/>
+            <a:off x="3257725" y="4155878"/>
+            <a:ext cx="4774530" cy="2621311"/>
           </a:xfrm>
           <a:prstGeom prst="rect">
             <a:avLst/>
@@ -31598,7 +31591,7 @@
       </p:pic>
       <p:pic>
         <p:nvPicPr>
-          <p:cNvPr id="26" name="Imagen 25"/>
+          <p:cNvPr id="3" name="Imagen 2"/>
           <p:cNvPicPr>
             <a:picLocks noChangeAspect="1"/>
           </p:cNvPicPr>
@@ -31618,8 +31611,8 @@
         </p:blipFill>
         <p:spPr>
           <a:xfrm>
-            <a:off x="6051917" y="1196122"/>
-            <a:ext cx="4704626" cy="2649859"/>
+            <a:off x="5747403" y="1253231"/>
+            <a:ext cx="5106335" cy="2824781"/>
           </a:xfrm>
           <a:prstGeom prst="rect">
             <a:avLst/>
@@ -31628,7 +31621,7 @@
       </p:pic>
       <p:pic>
         <p:nvPicPr>
-          <p:cNvPr id="27" name="Imagen 26"/>
+          <p:cNvPr id="4" name="Imagen 3"/>
           <p:cNvPicPr>
             <a:picLocks noChangeAspect="1"/>
           </p:cNvPicPr>
@@ -31648,8 +31641,8 @@
         </p:blipFill>
         <p:spPr>
           <a:xfrm>
-            <a:off x="3452868" y="3986226"/>
-            <a:ext cx="4740204" cy="2645515"/>
+            <a:off x="588131" y="1230140"/>
+            <a:ext cx="5106335" cy="2874925"/>
           </a:xfrm>
           <a:prstGeom prst="rect">
             <a:avLst/>
@@ -33024,13 +33017,6 @@
               </a:rPr>
               <a:t> Logo:</a:t>
             </a:r>
-            <a:endParaRPr lang="es-ES" sz="2000" dirty="0">
-              <a:solidFill>
-                <a:schemeClr val="bg1">
-                  <a:lumMod val="10000"/>
-                </a:schemeClr>
-              </a:solidFill>
-            </a:endParaRPr>
           </a:p>
           <a:p>
             <a:r>
@@ -34220,13 +34206,6 @@
               </a:rPr>
               <a:t>No es un juego con compras internas.			</a:t>
             </a:r>
-            <a:endParaRPr lang="es-ES" sz="2000" dirty="0">
-              <a:solidFill>
-                <a:schemeClr val="bg1">
-                  <a:lumMod val="10000"/>
-                </a:schemeClr>
-              </a:solidFill>
-            </a:endParaRPr>
           </a:p>
         </p:txBody>
       </p:sp>
